--- a/기획/아이디어 기획서 ver.ppt.pptx
+++ b/기획/아이디어 기획서 ver.ppt.pptx
@@ -278,7 +278,7 @@
           <a:p>
             <a:fld id="{3F8A50C2-589C-42C8-B763-56D87D9D16BD}" type="datetimeFigureOut">
               <a:rPr lang="ko-KR" altLang="en-US" smtClean="0"/>
-              <a:t>2023-10-24</a:t>
+              <a:t>2023-10-30</a:t>
             </a:fld>
             <a:endParaRPr lang="ko-KR" altLang="en-US"/>
           </a:p>
@@ -566,7 +566,7 @@
           <a:p>
             <a:fld id="{3F8A50C2-589C-42C8-B763-56D87D9D16BD}" type="datetimeFigureOut">
               <a:rPr lang="ko-KR" altLang="en-US" smtClean="0"/>
-              <a:t>2023-10-24</a:t>
+              <a:t>2023-10-30</a:t>
             </a:fld>
             <a:endParaRPr lang="ko-KR" altLang="en-US"/>
           </a:p>
@@ -764,7 +764,7 @@
           <a:p>
             <a:fld id="{3F8A50C2-589C-42C8-B763-56D87D9D16BD}" type="datetimeFigureOut">
               <a:rPr lang="ko-KR" altLang="en-US" smtClean="0"/>
-              <a:t>2023-10-24</a:t>
+              <a:t>2023-10-30</a:t>
             </a:fld>
             <a:endParaRPr lang="ko-KR" altLang="en-US"/>
           </a:p>
@@ -972,7 +972,7 @@
           <a:p>
             <a:fld id="{3F8A50C2-589C-42C8-B763-56D87D9D16BD}" type="datetimeFigureOut">
               <a:rPr lang="ko-KR" altLang="en-US" smtClean="0"/>
-              <a:t>2023-10-24</a:t>
+              <a:t>2023-10-30</a:t>
             </a:fld>
             <a:endParaRPr lang="ko-KR" altLang="en-US"/>
           </a:p>
@@ -1170,7 +1170,7 @@
           <a:p>
             <a:fld id="{3F8A50C2-589C-42C8-B763-56D87D9D16BD}" type="datetimeFigureOut">
               <a:rPr lang="ko-KR" altLang="en-US" smtClean="0"/>
-              <a:t>2023-10-24</a:t>
+              <a:t>2023-10-30</a:t>
             </a:fld>
             <a:endParaRPr lang="ko-KR" altLang="en-US"/>
           </a:p>
@@ -1445,7 +1445,7 @@
           <a:p>
             <a:fld id="{3F8A50C2-589C-42C8-B763-56D87D9D16BD}" type="datetimeFigureOut">
               <a:rPr lang="ko-KR" altLang="en-US" smtClean="0"/>
-              <a:t>2023-10-24</a:t>
+              <a:t>2023-10-30</a:t>
             </a:fld>
             <a:endParaRPr lang="ko-KR" altLang="en-US"/>
           </a:p>
@@ -1710,7 +1710,7 @@
           <a:p>
             <a:fld id="{3F8A50C2-589C-42C8-B763-56D87D9D16BD}" type="datetimeFigureOut">
               <a:rPr lang="ko-KR" altLang="en-US" smtClean="0"/>
-              <a:t>2023-10-24</a:t>
+              <a:t>2023-10-30</a:t>
             </a:fld>
             <a:endParaRPr lang="ko-KR" altLang="en-US"/>
           </a:p>
@@ -2122,7 +2122,7 @@
           <a:p>
             <a:fld id="{3F8A50C2-589C-42C8-B763-56D87D9D16BD}" type="datetimeFigureOut">
               <a:rPr lang="ko-KR" altLang="en-US" smtClean="0"/>
-              <a:t>2023-10-24</a:t>
+              <a:t>2023-10-30</a:t>
             </a:fld>
             <a:endParaRPr lang="ko-KR" altLang="en-US"/>
           </a:p>
@@ -2263,7 +2263,7 @@
           <a:p>
             <a:fld id="{3F8A50C2-589C-42C8-B763-56D87D9D16BD}" type="datetimeFigureOut">
               <a:rPr lang="ko-KR" altLang="en-US" smtClean="0"/>
-              <a:t>2023-10-24</a:t>
+              <a:t>2023-10-30</a:t>
             </a:fld>
             <a:endParaRPr lang="ko-KR" altLang="en-US"/>
           </a:p>
@@ -2376,7 +2376,7 @@
           <a:p>
             <a:fld id="{3F8A50C2-589C-42C8-B763-56D87D9D16BD}" type="datetimeFigureOut">
               <a:rPr lang="ko-KR" altLang="en-US" smtClean="0"/>
-              <a:t>2023-10-24</a:t>
+              <a:t>2023-10-30</a:t>
             </a:fld>
             <a:endParaRPr lang="ko-KR" altLang="en-US"/>
           </a:p>
@@ -2636,7 +2636,7 @@
           <a:p>
             <a:fld id="{3F8A50C2-589C-42C8-B763-56D87D9D16BD}" type="datetimeFigureOut">
               <a:rPr lang="ko-KR" altLang="en-US" smtClean="0"/>
-              <a:t>2023-10-24</a:t>
+              <a:t>2023-10-30</a:t>
             </a:fld>
             <a:endParaRPr lang="ko-KR" altLang="en-US"/>
           </a:p>
@@ -2947,7 +2947,7 @@
           <a:p>
             <a:fld id="{3F8A50C2-589C-42C8-B763-56D87D9D16BD}" type="datetimeFigureOut">
               <a:rPr lang="ko-KR" altLang="en-US" smtClean="0"/>
-              <a:t>2023-10-24</a:t>
+              <a:t>2023-10-30</a:t>
             </a:fld>
             <a:endParaRPr lang="ko-KR" altLang="en-US"/>
           </a:p>
@@ -3188,7 +3188,7 @@
           <a:p>
             <a:fld id="{3F8A50C2-589C-42C8-B763-56D87D9D16BD}" type="datetimeFigureOut">
               <a:rPr lang="ko-KR" altLang="en-US" smtClean="0"/>
-              <a:t>2023-10-24</a:t>
+              <a:t>2023-10-30</a:t>
             </a:fld>
             <a:endParaRPr lang="ko-KR" altLang="en-US"/>
           </a:p>
@@ -4098,6 +4098,12 @@
             <a:chOff x="11222009" y="3657363"/>
             <a:chExt cx="725719" cy="2152184"/>
           </a:xfrm>
+          <a:solidFill>
+            <a:schemeClr val="tx2">
+              <a:lumMod val="40000"/>
+              <a:lumOff val="60000"/>
+            </a:schemeClr>
+          </a:solidFill>
         </p:grpSpPr>
         <p:sp>
           <p:nvSpPr>
@@ -4119,6 +4125,7 @@
             <a:prstGeom prst="diamond">
               <a:avLst/>
             </a:prstGeom>
+            <a:grpFill/>
             <a:ln>
               <a:noFill/>
             </a:ln>
@@ -4168,6 +4175,7 @@
             <a:prstGeom prst="rtTriangle">
               <a:avLst/>
             </a:prstGeom>
+            <a:grpFill/>
             <a:ln>
               <a:noFill/>
             </a:ln>
@@ -4217,6 +4225,7 @@
             <a:prstGeom prst="rtTriangle">
               <a:avLst/>
             </a:prstGeom>
+            <a:grpFill/>
             <a:ln>
               <a:noFill/>
             </a:ln>
@@ -4266,6 +4275,7 @@
             <a:prstGeom prst="diamond">
               <a:avLst/>
             </a:prstGeom>
+            <a:grpFill/>
             <a:ln>
               <a:noFill/>
             </a:ln>
@@ -4315,6 +4325,7 @@
             <a:prstGeom prst="line">
               <a:avLst/>
             </a:prstGeom>
+            <a:grpFill/>
             <a:ln>
               <a:solidFill>
                 <a:schemeClr val="bg1"/>
@@ -4356,6 +4367,7 @@
             <a:prstGeom prst="line">
               <a:avLst/>
             </a:prstGeom>
+            <a:grpFill/>
             <a:ln>
               <a:solidFill>
                 <a:schemeClr val="bg1"/>
